--- a/lecture-presentations/2019-01-30.pptx
+++ b/lecture-presentations/2019-01-30.pptx
@@ -5,11 +5,11 @@
     <p:sldMasterId id="2147483648" r:id="rId1"/>
   </p:sldMasterIdLst>
   <p:notesMasterIdLst>
-    <p:notesMasterId r:id="rId21"/>
+    <p:notesMasterId r:id="rId20"/>
   </p:notesMasterIdLst>
   <p:sldIdLst>
     <p:sldId id="305" r:id="rId2"/>
-    <p:sldId id="517" r:id="rId3"/>
+    <p:sldId id="535" r:id="rId3"/>
     <p:sldId id="527" r:id="rId4"/>
     <p:sldId id="530" r:id="rId5"/>
     <p:sldId id="534" r:id="rId6"/>
@@ -21,12 +21,11 @@
     <p:sldId id="477" r:id="rId12"/>
     <p:sldId id="460" r:id="rId13"/>
     <p:sldId id="461" r:id="rId14"/>
-    <p:sldId id="529" r:id="rId15"/>
+    <p:sldId id="304" r:id="rId15"/>
     <p:sldId id="524" r:id="rId16"/>
-    <p:sldId id="304" r:id="rId17"/>
-    <p:sldId id="525" r:id="rId18"/>
-    <p:sldId id="532" r:id="rId19"/>
-    <p:sldId id="271" r:id="rId20"/>
+    <p:sldId id="538" r:id="rId17"/>
+    <p:sldId id="271" r:id="rId18"/>
+    <p:sldId id="537" r:id="rId19"/>
   </p:sldIdLst>
   <p:sldSz cx="12192000" cy="6858000"/>
   <p:notesSz cx="6858000" cy="9144000"/>
@@ -895,7 +894,7 @@
     </p:spTree>
     <p:extLst>
       <p:ext uri="{BB962C8B-B14F-4D97-AF65-F5344CB8AC3E}">
-        <p14:creationId xmlns:p14="http://schemas.microsoft.com/office/powerpoint/2010/main" val="1032629507"/>
+        <p14:creationId xmlns:p14="http://schemas.microsoft.com/office/powerpoint/2010/main" val="926545711"/>
       </p:ext>
     </p:extLst>
   </p:cSld>
@@ -1063,7 +1062,7 @@
     </p:spTree>
     <p:extLst>
       <p:ext uri="{BB962C8B-B14F-4D97-AF65-F5344CB8AC3E}">
-        <p14:creationId xmlns:p14="http://schemas.microsoft.com/office/powerpoint/2010/main" val="926545711"/>
+        <p14:creationId xmlns:p14="http://schemas.microsoft.com/office/powerpoint/2010/main" val="4232788041"/>
       </p:ext>
     </p:extLst>
   </p:cSld>
@@ -1138,7 +1137,7 @@
           <a:p>
             <a:fld id="{5394DE12-7B9B-46AA-AC19-C30A49928B9B}" type="slidenum">
               <a:rPr lang="en-US" smtClean="0"/>
-              <a:t>19</a:t>
+              <a:t>17</a:t>
             </a:fld>
             <a:endParaRPr lang="en-US" dirty="0"/>
           </a:p>
@@ -1148,6 +1147,93 @@
     <p:extLst>
       <p:ext uri="{BB962C8B-B14F-4D97-AF65-F5344CB8AC3E}">
         <p14:creationId xmlns:p14="http://schemas.microsoft.com/office/powerpoint/2010/main" val="3355459141"/>
+      </p:ext>
+    </p:extLst>
+  </p:cSld>
+  <p:clrMapOvr>
+    <a:masterClrMapping/>
+  </p:clrMapOvr>
+</p:notes>
+</file>
+
+<file path=ppt/notesSlides/notesSlide17.xml><?xml version="1.0" encoding="utf-8"?>
+<p:notes xmlns:a="http://schemas.openxmlformats.org/drawingml/2006/main" xmlns:r="http://schemas.openxmlformats.org/officeDocument/2006/relationships" xmlns:p="http://schemas.openxmlformats.org/presentationml/2006/main">
+  <p:cSld>
+    <p:spTree>
+      <p:nvGrpSpPr>
+        <p:cNvPr id="1" name=""/>
+        <p:cNvGrpSpPr/>
+        <p:nvPr/>
+      </p:nvGrpSpPr>
+      <p:grpSpPr>
+        <a:xfrm>
+          <a:off x="0" y="0"/>
+          <a:ext cx="0" cy="0"/>
+          <a:chOff x="0" y="0"/>
+          <a:chExt cx="0" cy="0"/>
+        </a:xfrm>
+      </p:grpSpPr>
+      <p:sp>
+        <p:nvSpPr>
+          <p:cNvPr id="2" name="Slide Image Placeholder 1"/>
+          <p:cNvSpPr>
+            <a:spLocks noGrp="1" noRot="1" noChangeAspect="1"/>
+          </p:cNvSpPr>
+          <p:nvPr>
+            <p:ph type="sldImg"/>
+          </p:nvPr>
+        </p:nvSpPr>
+        <p:spPr/>
+      </p:sp>
+      <p:sp>
+        <p:nvSpPr>
+          <p:cNvPr id="3" name="Notes Placeholder 2"/>
+          <p:cNvSpPr>
+            <a:spLocks noGrp="1"/>
+          </p:cNvSpPr>
+          <p:nvPr>
+            <p:ph type="body" idx="1"/>
+          </p:nvPr>
+        </p:nvSpPr>
+        <p:spPr/>
+        <p:txBody>
+          <a:bodyPr/>
+          <a:lstStyle/>
+          <a:p>
+            <a:r>
+              <a:rPr lang="en-US" sz="1000" dirty="0"/>
+              <a:t>Some people would say that binary files include all files, and that text files are just binary files that are being interpreted in a specific way. </a:t>
+            </a:r>
+          </a:p>
+        </p:txBody>
+      </p:sp>
+      <p:sp>
+        <p:nvSpPr>
+          <p:cNvPr id="4" name="Slide Number Placeholder 3"/>
+          <p:cNvSpPr>
+            <a:spLocks noGrp="1"/>
+          </p:cNvSpPr>
+          <p:nvPr>
+            <p:ph type="sldNum" sz="quarter" idx="10"/>
+          </p:nvPr>
+        </p:nvSpPr>
+        <p:spPr/>
+        <p:txBody>
+          <a:bodyPr/>
+          <a:lstStyle/>
+          <a:p>
+            <a:fld id="{5394DE12-7B9B-46AA-AC19-C30A49928B9B}" type="slidenum">
+              <a:rPr lang="en-US" smtClean="0"/>
+              <a:t>18</a:t>
+            </a:fld>
+            <a:endParaRPr lang="en-US" dirty="0"/>
+          </a:p>
+        </p:txBody>
+      </p:sp>
+    </p:spTree>
+    <p:extLst>
+      <p:ext uri="{BB962C8B-B14F-4D97-AF65-F5344CB8AC3E}">
+        <p14:creationId xmlns:p14="http://schemas.microsoft.com/office/powerpoint/2010/main" val="1729872941"/>
       </p:ext>
     </p:extLst>
   </p:cSld>
@@ -1201,7 +1287,10 @@
           <a:bodyPr/>
           <a:lstStyle/>
           <a:p>
-            <a:endParaRPr lang="en-US" sz="1000" dirty="0"/>
+            <a:r>
+              <a:rPr lang="en-US" sz="1000" dirty="0"/>
+              <a:t>Some people would say that binary files include all files, and that text files are just binary files that are being interpreted in a specific way. </a:t>
+            </a:r>
           </a:p>
         </p:txBody>
       </p:sp>
@@ -1231,7 +1320,7 @@
     </p:spTree>
     <p:extLst>
       <p:ext uri="{BB962C8B-B14F-4D97-AF65-F5344CB8AC3E}">
-        <p14:creationId xmlns:p14="http://schemas.microsoft.com/office/powerpoint/2010/main" val="1749124044"/>
+        <p14:creationId xmlns:p14="http://schemas.microsoft.com/office/powerpoint/2010/main" val="2210422731"/>
       </p:ext>
     </p:extLst>
   </p:cSld>
@@ -5933,14 +6022,14 @@
           </a:xfrm>
         </p:spPr>
         <p:txBody>
-          <a:bodyPr anchor="ctr">
+          <a:bodyPr>
             <a:normAutofit/>
           </a:bodyPr>
           <a:lstStyle/>
           <a:p>
             <a:r>
               <a:rPr lang="en-US" sz="4800" dirty="0"/>
-              <a:t>FaceDrawLite</a:t>
+              <a:t>Lab: FaceDrawLite Tutorial</a:t>
             </a:r>
           </a:p>
         </p:txBody>
@@ -5948,7 +6037,7 @@
     </p:spTree>
     <p:extLst>
       <p:ext uri="{BB962C8B-B14F-4D97-AF65-F5344CB8AC3E}">
-        <p14:creationId xmlns:p14="http://schemas.microsoft.com/office/powerpoint/2010/main" val="54050490"/>
+        <p14:creationId xmlns:p14="http://schemas.microsoft.com/office/powerpoint/2010/main" val="2410741118"/>
       </p:ext>
     </p:extLst>
   </p:cSld>
@@ -6153,7 +6242,7 @@
           <a:p>
             <a:r>
               <a:rPr lang="en-US" sz="4800" dirty="0"/>
-              <a:t>Lab: FaceDrawLite Tutorial</a:t>
+              <a:t>Final Questions/Comments</a:t>
             </a:r>
           </a:p>
         </p:txBody>
@@ -6161,7 +6250,7 @@
     </p:spTree>
     <p:extLst>
       <p:ext uri="{BB962C8B-B14F-4D97-AF65-F5344CB8AC3E}">
-        <p14:creationId xmlns:p14="http://schemas.microsoft.com/office/powerpoint/2010/main" val="2410741118"/>
+        <p14:creationId xmlns:p14="http://schemas.microsoft.com/office/powerpoint/2010/main" val="2467182518"/>
       </p:ext>
     </p:extLst>
   </p:cSld>
@@ -6172,6 +6261,75 @@
 </file>
 
 <file path=ppt/slides/slide17.xml><?xml version="1.0" encoding="utf-8"?>
+<p:sld xmlns:a="http://schemas.openxmlformats.org/drawingml/2006/main" xmlns:r="http://schemas.openxmlformats.org/officeDocument/2006/relationships" xmlns:p="http://schemas.openxmlformats.org/presentationml/2006/main">
+  <p:cSld>
+    <p:bg>
+      <p:bgPr>
+        <a:solidFill>
+          <a:schemeClr val="bg1">
+            <a:lumMod val="85000"/>
+          </a:schemeClr>
+        </a:solidFill>
+        <a:effectLst/>
+      </p:bgPr>
+    </p:bg>
+    <p:spTree>
+      <p:nvGrpSpPr>
+        <p:cNvPr id="1" name=""/>
+        <p:cNvGrpSpPr/>
+        <p:nvPr/>
+      </p:nvGrpSpPr>
+      <p:grpSpPr>
+        <a:xfrm>
+          <a:off x="0" y="0"/>
+          <a:ext cx="0" cy="0"/>
+          <a:chOff x="0" y="0"/>
+          <a:chExt cx="0" cy="0"/>
+        </a:xfrm>
+      </p:grpSpPr>
+      <p:sp>
+        <p:nvSpPr>
+          <p:cNvPr id="2" name="Title 1"/>
+          <p:cNvSpPr>
+            <a:spLocks noGrp="1"/>
+          </p:cNvSpPr>
+          <p:nvPr>
+            <p:ph type="ctrTitle"/>
+          </p:nvPr>
+        </p:nvSpPr>
+        <p:spPr>
+          <a:xfrm>
+            <a:off x="1524000" y="3051480"/>
+            <a:ext cx="9144000" cy="755040"/>
+          </a:xfrm>
+        </p:spPr>
+        <p:txBody>
+          <a:bodyPr anchor="ctr">
+            <a:normAutofit/>
+          </a:bodyPr>
+          <a:lstStyle/>
+          <a:p>
+            <a:r>
+              <a:rPr lang="en-US" sz="4800" dirty="0"/>
+              <a:t>End of Session</a:t>
+            </a:r>
+          </a:p>
+        </p:txBody>
+      </p:sp>
+    </p:spTree>
+    <p:extLst>
+      <p:ext uri="{BB962C8B-B14F-4D97-AF65-F5344CB8AC3E}">
+        <p14:creationId xmlns:p14="http://schemas.microsoft.com/office/powerpoint/2010/main" val="1130818612"/>
+      </p:ext>
+    </p:extLst>
+  </p:cSld>
+  <p:clrMapOvr>
+    <a:masterClrMapping/>
+  </p:clrMapOvr>
+</p:sld>
+</file>
+
+<file path=ppt/slides/slide18.xml><?xml version="1.0" encoding="utf-8"?>
 <p:sld xmlns:a="http://schemas.openxmlformats.org/drawingml/2006/main" xmlns:r="http://schemas.openxmlformats.org/officeDocument/2006/relationships" xmlns:p="http://schemas.openxmlformats.org/presentationml/2006/main">
   <p:cSld>
     <p:bg>
@@ -6200,10 +6358,34 @@
       </p:grpSpPr>
       <p:sp>
         <p:nvSpPr>
-          <p:cNvPr id="2" name="Title 1">
+          <p:cNvPr id="2" name="Title 1"/>
+          <p:cNvSpPr>
+            <a:spLocks noGrp="1"/>
+          </p:cNvSpPr>
+          <p:nvPr>
+            <p:ph type="title"/>
+          </p:nvPr>
+        </p:nvSpPr>
+        <p:spPr/>
+        <p:txBody>
+          <a:bodyPr>
+            <a:normAutofit/>
+          </a:bodyPr>
+          <a:lstStyle/>
+          <a:p>
+            <a:r>
+              <a:rPr lang="en-US" sz="3600" dirty="0"/>
+              <a:t>For Recorded Sessions</a:t>
+            </a:r>
+          </a:p>
+        </p:txBody>
+      </p:sp>
+      <p:sp>
+        <p:nvSpPr>
+          <p:cNvPr id="5" name="Content Placeholder 4">
             <a:extLst>
               <a:ext uri="{FF2B5EF4-FFF2-40B4-BE49-F238E27FC236}">
-                <a16:creationId xmlns:a16="http://schemas.microsoft.com/office/drawing/2014/main" id="{DA8573E5-AA22-4B2D-9064-D611D40946CE}"/>
+                <a16:creationId xmlns:a16="http://schemas.microsoft.com/office/drawing/2014/main" id="{935161E5-944F-4CEA-A7DD-3B3BEF0F30C4}"/>
               </a:ext>
             </a:extLst>
           </p:cNvPr>
@@ -6211,47 +6393,143 @@
             <a:spLocks noGrp="1"/>
           </p:cNvSpPr>
           <p:nvPr>
-            <p:ph type="title"/>
-          </p:nvPr>
-        </p:nvSpPr>
-        <p:spPr/>
-        <p:txBody>
-          <a:bodyPr/>
-          <a:lstStyle/>
-          <a:p>
-            <a:endParaRPr lang="en-US"/>
-          </a:p>
-        </p:txBody>
-      </p:sp>
-      <p:sp>
-        <p:nvSpPr>
-          <p:cNvPr id="3" name="Content Placeholder 2">
-            <a:extLst>
-              <a:ext uri="{FF2B5EF4-FFF2-40B4-BE49-F238E27FC236}">
-                <a16:creationId xmlns:a16="http://schemas.microsoft.com/office/drawing/2014/main" id="{054E5A7D-C1EB-4B0C-9168-6835215C969B}"/>
-              </a:ext>
-            </a:extLst>
-          </p:cNvPr>
-          <p:cNvSpPr>
-            <a:spLocks noGrp="1"/>
-          </p:cNvSpPr>
-          <p:nvPr>
             <p:ph idx="1"/>
           </p:nvPr>
         </p:nvSpPr>
-        <p:spPr/>
-        <p:txBody>
-          <a:bodyPr/>
-          <a:lstStyle/>
-          <a:p>
-            <a:endParaRPr lang="en-US"/>
+        <p:spPr>
+          <a:xfrm>
+            <a:off x="868304" y="1479433"/>
+            <a:ext cx="10515600" cy="4351338"/>
+          </a:xfrm>
+        </p:spPr>
+        <p:txBody>
+          <a:bodyPr>
+            <a:normAutofit/>
+          </a:bodyPr>
+          <a:lstStyle/>
+          <a:p>
+            <a:pPr marL="0" indent="0">
+              <a:buNone/>
+            </a:pPr>
+            <a:r>
+              <a:rPr lang="en-US" sz="2000" dirty="0"/>
+              <a:t>Checklist for recorded sessions:</a:t>
+            </a:r>
+          </a:p>
+          <a:p>
+            <a:pPr marL="457200" indent="-457200">
+              <a:buFont typeface="+mj-lt"/>
+              <a:buAutoNum type="arabicPeriod"/>
+            </a:pPr>
+            <a:r>
+              <a:rPr lang="en-US" sz="2000" dirty="0">
+                <a:solidFill>
+                  <a:schemeClr val="bg1">
+                    <a:lumMod val="65000"/>
+                  </a:schemeClr>
+                </a:solidFill>
+              </a:rPr>
+              <a:t>Verify recorded screen resolution of 1080p (1920x1080)</a:t>
+            </a:r>
+          </a:p>
+          <a:p>
+            <a:pPr marL="457200" indent="-457200">
+              <a:buFont typeface="+mj-lt"/>
+              <a:buAutoNum type="arabicPeriod"/>
+            </a:pPr>
+            <a:r>
+              <a:rPr lang="en-US" sz="2000" dirty="0">
+                <a:solidFill>
+                  <a:schemeClr val="bg1">
+                    <a:lumMod val="65000"/>
+                  </a:schemeClr>
+                </a:solidFill>
+              </a:rPr>
+              <a:t>Verify audio volume</a:t>
+            </a:r>
+          </a:p>
+          <a:p>
+            <a:pPr marL="457200" indent="-457200">
+              <a:buFont typeface="+mj-lt"/>
+              <a:buAutoNum type="arabicPeriod"/>
+            </a:pPr>
+            <a:r>
+              <a:rPr lang="en-US" sz="2000" dirty="0">
+                <a:solidFill>
+                  <a:schemeClr val="bg1">
+                    <a:lumMod val="65000"/>
+                  </a:schemeClr>
+                </a:solidFill>
+              </a:rPr>
+              <a:t>Verify chat session open &amp; working</a:t>
+            </a:r>
+          </a:p>
+          <a:p>
+            <a:pPr marL="457200" indent="-457200">
+              <a:buFont typeface="+mj-lt"/>
+              <a:buAutoNum type="arabicPeriod"/>
+            </a:pPr>
+            <a:r>
+              <a:rPr lang="en-US" sz="2000" dirty="0">
+                <a:solidFill>
+                  <a:schemeClr val="bg1">
+                    <a:lumMod val="65000"/>
+                  </a:schemeClr>
+                </a:solidFill>
+              </a:rPr>
+              <a:t>Optionally mute lines to eliminate background noise</a:t>
+            </a:r>
+          </a:p>
+          <a:p>
+            <a:pPr marL="457200" indent="-457200">
+              <a:buFont typeface="+mj-lt"/>
+              <a:buAutoNum type="arabicPeriod"/>
+            </a:pPr>
+            <a:r>
+              <a:rPr lang="en-US" sz="2000" dirty="0">
+                <a:solidFill>
+                  <a:schemeClr val="bg1">
+                    <a:lumMod val="65000"/>
+                  </a:schemeClr>
+                </a:solidFill>
+              </a:rPr>
+              <a:t>Start recording</a:t>
+            </a:r>
+          </a:p>
+          <a:p>
+            <a:pPr marL="457200" indent="-457200">
+              <a:buFont typeface="+mj-lt"/>
+              <a:buAutoNum type="arabicPeriod"/>
+            </a:pPr>
+            <a:r>
+              <a:rPr lang="en-US" sz="2000" dirty="0"/>
+              <a:t>Remember to </a:t>
+            </a:r>
+            <a:r>
+              <a:rPr lang="en-US" sz="2000" b="1" dirty="0"/>
+              <a:t>stop recording </a:t>
+            </a:r>
+            <a:r>
+              <a:rPr lang="en-US" sz="2000" dirty="0"/>
+              <a:t>before exiting session</a:t>
+            </a:r>
+          </a:p>
+          <a:p>
+            <a:pPr marL="457200" indent="-457200">
+              <a:buFont typeface="+mj-lt"/>
+              <a:buAutoNum type="arabicPeriod"/>
+            </a:pPr>
+            <a:r>
+              <a:rPr lang="en-US" sz="2000" dirty="0"/>
+              <a:t>Upload files and optionally notify students when video processing is complete</a:t>
+            </a:r>
           </a:p>
         </p:txBody>
       </p:sp>
     </p:spTree>
     <p:extLst>
       <p:ext uri="{BB962C8B-B14F-4D97-AF65-F5344CB8AC3E}">
-        <p14:creationId xmlns:p14="http://schemas.microsoft.com/office/powerpoint/2010/main" val="1317087070"/>
+        <p14:creationId xmlns:p14="http://schemas.microsoft.com/office/powerpoint/2010/main" val="881376950"/>
       </p:ext>
     </p:extLst>
   </p:cSld>
@@ -6261,114 +6539,14 @@
 </p:sld>
 </file>
 
-<file path=ppt/slides/slide18.xml><?xml version="1.0" encoding="utf-8"?>
-<p:sld xmlns:a="http://schemas.openxmlformats.org/drawingml/2006/main" xmlns:r="http://schemas.openxmlformats.org/officeDocument/2006/relationships" xmlns:p="http://schemas.openxmlformats.org/presentationml/2006/main">
-  <p:cSld>
-    <p:spTree>
-      <p:nvGrpSpPr>
-        <p:cNvPr id="1" name=""/>
-        <p:cNvGrpSpPr/>
-        <p:nvPr/>
-      </p:nvGrpSpPr>
-      <p:grpSpPr>
-        <a:xfrm>
-          <a:off x="0" y="0"/>
-          <a:ext cx="0" cy="0"/>
-          <a:chOff x="0" y="0"/>
-          <a:chExt cx="0" cy="0"/>
-        </a:xfrm>
-      </p:grpSpPr>
-      <p:pic>
-        <p:nvPicPr>
-          <p:cNvPr id="4" name="Picture 3">
-            <a:extLst>
-              <a:ext uri="{FF2B5EF4-FFF2-40B4-BE49-F238E27FC236}">
-                <a16:creationId xmlns:a16="http://schemas.microsoft.com/office/drawing/2014/main" id="{BAD6B545-F0B6-460A-BC7D-40D729608D40}"/>
-              </a:ext>
-            </a:extLst>
-          </p:cNvPr>
-          <p:cNvPicPr>
-            <a:picLocks noChangeAspect="1"/>
-          </p:cNvPicPr>
-          <p:nvPr/>
-        </p:nvPicPr>
-        <p:blipFill>
-          <a:blip r:embed="rId2"/>
-          <a:stretch>
-            <a:fillRect/>
-          </a:stretch>
-        </p:blipFill>
-        <p:spPr>
-          <a:xfrm>
-            <a:off x="4370421" y="0"/>
-            <a:ext cx="5740445" cy="6858000"/>
-          </a:xfrm>
-          <a:prstGeom prst="rect">
-            <a:avLst/>
-          </a:prstGeom>
-        </p:spPr>
-      </p:pic>
-      <p:sp>
-        <p:nvSpPr>
-          <p:cNvPr id="3" name="Title 1">
-            <a:extLst>
-              <a:ext uri="{FF2B5EF4-FFF2-40B4-BE49-F238E27FC236}">
-                <a16:creationId xmlns:a16="http://schemas.microsoft.com/office/drawing/2014/main" id="{3C050F70-9801-468E-A98C-7C118AACCD28}"/>
-              </a:ext>
-            </a:extLst>
-          </p:cNvPr>
-          <p:cNvSpPr>
-            <a:spLocks noGrp="1"/>
-          </p:cNvSpPr>
-          <p:nvPr>
-            <p:ph type="title"/>
-          </p:nvPr>
-        </p:nvSpPr>
-        <p:spPr>
-          <a:xfrm>
-            <a:off x="838200" y="365125"/>
-            <a:ext cx="10515600" cy="1325563"/>
-          </a:xfrm>
-        </p:spPr>
-        <p:txBody>
-          <a:bodyPr/>
-          <a:lstStyle/>
-          <a:p>
-            <a:r>
-              <a:rPr lang="en-US" dirty="0"/>
-              <a:t>UML Phone</a:t>
-            </a:r>
-            <a:br>
-              <a:rPr lang="en-US" dirty="0"/>
-            </a:br>
-            <a:r>
-              <a:rPr lang="en-US" dirty="0"/>
-              <a:t>Example </a:t>
-            </a:r>
-          </a:p>
-        </p:txBody>
-      </p:sp>
-    </p:spTree>
-    <p:extLst>
-      <p:ext uri="{BB962C8B-B14F-4D97-AF65-F5344CB8AC3E}">
-        <p14:creationId xmlns:p14="http://schemas.microsoft.com/office/powerpoint/2010/main" val="2860245628"/>
-      </p:ext>
-    </p:extLst>
-  </p:cSld>
-  <p:clrMapOvr>
-    <a:masterClrMapping/>
-  </p:clrMapOvr>
-</p:sld>
-</file>
-
-<file path=ppt/slides/slide19.xml><?xml version="1.0" encoding="utf-8"?>
+<file path=ppt/slides/slide2.xml><?xml version="1.0" encoding="utf-8"?>
 <p:sld xmlns:a="http://schemas.openxmlformats.org/drawingml/2006/main" xmlns:r="http://schemas.openxmlformats.org/officeDocument/2006/relationships" xmlns:p="http://schemas.openxmlformats.org/presentationml/2006/main">
   <p:cSld>
     <p:bg>
       <p:bgPr>
         <a:solidFill>
           <a:schemeClr val="bg1">
-            <a:lumMod val="85000"/>
+            <a:lumMod val="75000"/>
           </a:schemeClr>
         </a:solidFill>
         <a:effectLst/>
@@ -6395,24 +6573,127 @@
             <a:spLocks noGrp="1"/>
           </p:cNvSpPr>
           <p:nvPr>
-            <p:ph type="ctrTitle"/>
+            <p:ph type="title"/>
+          </p:nvPr>
+        </p:nvSpPr>
+        <p:spPr/>
+        <p:txBody>
+          <a:bodyPr>
+            <a:normAutofit/>
+          </a:bodyPr>
+          <a:lstStyle/>
+          <a:p>
+            <a:r>
+              <a:rPr lang="en-US" sz="3600" dirty="0"/>
+              <a:t>For Recorded Sessions</a:t>
+            </a:r>
+          </a:p>
+        </p:txBody>
+      </p:sp>
+      <p:sp>
+        <p:nvSpPr>
+          <p:cNvPr id="5" name="Content Placeholder 4">
+            <a:extLst>
+              <a:ext uri="{FF2B5EF4-FFF2-40B4-BE49-F238E27FC236}">
+                <a16:creationId xmlns:a16="http://schemas.microsoft.com/office/drawing/2014/main" id="{935161E5-944F-4CEA-A7DD-3B3BEF0F30C4}"/>
+              </a:ext>
+            </a:extLst>
+          </p:cNvPr>
+          <p:cNvSpPr>
+            <a:spLocks noGrp="1"/>
+          </p:cNvSpPr>
+          <p:nvPr>
+            <p:ph idx="1"/>
           </p:nvPr>
         </p:nvSpPr>
         <p:spPr>
           <a:xfrm>
-            <a:off x="1524000" y="3051480"/>
-            <a:ext cx="9144000" cy="755040"/>
+            <a:off x="868304" y="1479433"/>
+            <a:ext cx="10515600" cy="4351338"/>
           </a:xfrm>
         </p:spPr>
         <p:txBody>
-          <a:bodyPr anchor="ctr">
+          <a:bodyPr>
             <a:normAutofit/>
           </a:bodyPr>
           <a:lstStyle/>
           <a:p>
-            <a:r>
-              <a:rPr lang="en-US" sz="4800" dirty="0"/>
-              <a:t>End of Session</a:t>
+            <a:pPr marL="0" indent="0">
+              <a:buNone/>
+            </a:pPr>
+            <a:r>
+              <a:rPr lang="en-US" sz="2000" dirty="0"/>
+              <a:t>Checklist for recorded sessions:</a:t>
+            </a:r>
+          </a:p>
+          <a:p>
+            <a:pPr marL="457200" indent="-457200">
+              <a:buFont typeface="+mj-lt"/>
+              <a:buAutoNum type="arabicPeriod"/>
+            </a:pPr>
+            <a:r>
+              <a:rPr lang="en-US" sz="2000" dirty="0"/>
+              <a:t>Verify recorded screen resolution of 1080p (1920x1080)</a:t>
+            </a:r>
+          </a:p>
+          <a:p>
+            <a:pPr marL="457200" indent="-457200">
+              <a:buFont typeface="+mj-lt"/>
+              <a:buAutoNum type="arabicPeriod"/>
+            </a:pPr>
+            <a:r>
+              <a:rPr lang="en-US" sz="2000" dirty="0"/>
+              <a:t>Verify audio volume</a:t>
+            </a:r>
+          </a:p>
+          <a:p>
+            <a:pPr marL="457200" indent="-457200">
+              <a:buFont typeface="+mj-lt"/>
+              <a:buAutoNum type="arabicPeriod"/>
+            </a:pPr>
+            <a:r>
+              <a:rPr lang="en-US" sz="2000" dirty="0"/>
+              <a:t>Verify chat session open &amp; working</a:t>
+            </a:r>
+          </a:p>
+          <a:p>
+            <a:pPr marL="457200" indent="-457200">
+              <a:buFont typeface="+mj-lt"/>
+              <a:buAutoNum type="arabicPeriod"/>
+            </a:pPr>
+            <a:r>
+              <a:rPr lang="en-US" sz="2000" dirty="0"/>
+              <a:t>Optionally mute lines to eliminate background noise</a:t>
+            </a:r>
+          </a:p>
+          <a:p>
+            <a:pPr marL="457200" indent="-457200">
+              <a:buFont typeface="+mj-lt"/>
+              <a:buAutoNum type="arabicPeriod"/>
+            </a:pPr>
+            <a:r>
+              <a:rPr lang="en-US" sz="2000" b="1" dirty="0"/>
+              <a:t>Start recording</a:t>
+            </a:r>
+          </a:p>
+          <a:p>
+            <a:pPr marL="457200" indent="-457200">
+              <a:buFont typeface="+mj-lt"/>
+              <a:buAutoNum type="arabicPeriod"/>
+            </a:pPr>
+            <a:r>
+              <a:rPr lang="en-US" sz="2000" dirty="0"/>
+              <a:t>Remember to stop recording before exiting session</a:t>
+            </a:r>
+          </a:p>
+          <a:p>
+            <a:pPr marL="457200" indent="-457200">
+              <a:buFont typeface="+mj-lt"/>
+              <a:buAutoNum type="arabicPeriod"/>
+            </a:pPr>
+            <a:r>
+              <a:rPr lang="en-US" sz="2000" dirty="0"/>
+              <a:t>Upload files and optionally notify students when video processing is complete</a:t>
             </a:r>
           </a:p>
         </p:txBody>
@@ -6420,92 +6701,7 @@
     </p:spTree>
     <p:extLst>
       <p:ext uri="{BB962C8B-B14F-4D97-AF65-F5344CB8AC3E}">
-        <p14:creationId xmlns:p14="http://schemas.microsoft.com/office/powerpoint/2010/main" val="1130818612"/>
-      </p:ext>
-    </p:extLst>
-  </p:cSld>
-  <p:clrMapOvr>
-    <a:masterClrMapping/>
-  </p:clrMapOvr>
-</p:sld>
-</file>
-
-<file path=ppt/slides/slide2.xml><?xml version="1.0" encoding="utf-8"?>
-<p:sld xmlns:a="http://schemas.openxmlformats.org/drawingml/2006/main" xmlns:r="http://schemas.openxmlformats.org/officeDocument/2006/relationships" xmlns:p="http://schemas.openxmlformats.org/presentationml/2006/main">
-  <p:cSld>
-    <p:spTree>
-      <p:nvGrpSpPr>
-        <p:cNvPr id="1" name=""/>
-        <p:cNvGrpSpPr/>
-        <p:nvPr/>
-      </p:nvGrpSpPr>
-      <p:grpSpPr>
-        <a:xfrm>
-          <a:off x="0" y="0"/>
-          <a:ext cx="0" cy="0"/>
-          <a:chOff x="0" y="0"/>
-          <a:chExt cx="0" cy="0"/>
-        </a:xfrm>
-      </p:grpSpPr>
-      <p:sp>
-        <p:nvSpPr>
-          <p:cNvPr id="2" name="Title 1"/>
-          <p:cNvSpPr>
-            <a:spLocks noGrp="1"/>
-          </p:cNvSpPr>
-          <p:nvPr>
-            <p:ph type="ctrTitle"/>
-          </p:nvPr>
-        </p:nvSpPr>
-        <p:spPr>
-          <a:xfrm>
-            <a:off x="1524000" y="3025490"/>
-            <a:ext cx="9144000" cy="807019"/>
-          </a:xfrm>
-        </p:spPr>
-        <p:txBody>
-          <a:bodyPr anchor="ctr">
-            <a:normAutofit fontScale="90000"/>
-          </a:bodyPr>
-          <a:lstStyle/>
-          <a:p>
-            <a:pPr algn="l"/>
-            <a:r>
-              <a:rPr lang="en-US" sz="4800" dirty="0"/>
-              <a:t>- Verify Screen Resolution 1920x1080</a:t>
-            </a:r>
-            <a:br>
-              <a:rPr lang="en-US" sz="4800" dirty="0"/>
-            </a:br>
-            <a:r>
-              <a:rPr lang="en-US" sz="4800" dirty="0"/>
-              <a:t>- Verify Chat Session Open &amp; Working</a:t>
-            </a:r>
-            <a:br>
-              <a:rPr lang="en-US" sz="4800" dirty="0"/>
-            </a:br>
-            <a:r>
-              <a:rPr lang="en-US" sz="4800" dirty="0"/>
-              <a:t>- Mute Lines </a:t>
-            </a:r>
-            <a:br>
-              <a:rPr lang="en-US" sz="4800" dirty="0"/>
-            </a:br>
-            <a:r>
-              <a:rPr lang="en-US" sz="4800" dirty="0"/>
-              <a:t>- </a:t>
-            </a:r>
-            <a:r>
-              <a:rPr lang="en-US" sz="4800" b="1" i="1" u="sng" dirty="0"/>
-              <a:t>Start Recording</a:t>
-            </a:r>
-          </a:p>
-        </p:txBody>
-      </p:sp>
-    </p:spTree>
-    <p:extLst>
-      <p:ext uri="{BB962C8B-B14F-4D97-AF65-F5344CB8AC3E}">
-        <p14:creationId xmlns:p14="http://schemas.microsoft.com/office/powerpoint/2010/main" val="3296878515"/>
+        <p14:creationId xmlns:p14="http://schemas.microsoft.com/office/powerpoint/2010/main" val="3817479444"/>
       </p:ext>
     </p:extLst>
   </p:cSld>
@@ -6550,20 +6746,27 @@
         </p:spPr>
         <p:txBody>
           <a:bodyPr anchor="ctr">
-            <a:normAutofit fontScale="90000"/>
+            <a:noAutofit/>
           </a:bodyPr>
           <a:lstStyle/>
           <a:p>
             <a:r>
-              <a:rPr lang="en-US" sz="4800" dirty="0"/>
+              <a:rPr lang="en-US" sz="4000" dirty="0"/>
+              <a:t>Friendly Conversation Topic – </a:t>
+            </a:r>
+            <a:br>
+              <a:rPr lang="en-US" sz="4000" dirty="0"/>
+            </a:br>
+            <a:r>
+              <a:rPr lang="en-US" sz="4000" dirty="0"/>
               <a:t>Why might we choose </a:t>
             </a:r>
             <a:r>
-              <a:rPr lang="en-US" sz="4800" u="sng" dirty="0"/>
+              <a:rPr lang="en-US" sz="4000" u="sng" dirty="0"/>
               <a:t>not</a:t>
             </a:r>
             <a:r>
-              <a:rPr lang="en-US" sz="4800" dirty="0"/>
+              <a:rPr lang="en-US" sz="4000" dirty="0"/>
               <a:t> to use Object-Oriented Programming?</a:t>
             </a:r>
           </a:p>
@@ -7157,7 +7360,25 @@
                 </a:solidFill>
                 <a:latin typeface="Open Sans"/>
               </a:rPr>
-              <a:t>In this sprint 4, you will need to create an application in Java that:</a:t>
+              <a:t>In this sprint 4, you will need to create an </a:t>
+            </a:r>
+            <a:r>
+              <a:rPr lang="en-US" sz="2000" u="sng" dirty="0">
+                <a:solidFill>
+                  <a:srgbClr val="000000"/>
+                </a:solidFill>
+                <a:latin typeface="Open Sans"/>
+              </a:rPr>
+              <a:t>interactive</a:t>
+            </a:r>
+            <a:r>
+              <a:rPr lang="en-US" sz="2000" dirty="0">
+                <a:solidFill>
+                  <a:srgbClr val="000000"/>
+                </a:solidFill>
+                <a:latin typeface="Open Sans"/>
+              </a:rPr>
+              <a:t> application in Java that:</a:t>
             </a:r>
           </a:p>
           <a:p>
@@ -7311,10 +7532,9 @@
           <a:lstStyle/>
           <a:p>
             <a:r>
-              <a:rPr lang="en-US" sz="4800"/>
+              <a:rPr lang="en-US" sz="4800" dirty="0"/>
               <a:t>Files &amp; JSON</a:t>
             </a:r>
-            <a:endParaRPr lang="en-US" sz="4800" dirty="0"/>
           </a:p>
         </p:txBody>
       </p:sp>

--- a/lecture-presentations/2019-01-30.pptx
+++ b/lecture-presentations/2019-01-30.pptx
@@ -5220,7 +5220,7 @@
             </a:pPr>
             <a:r>
               <a:rPr lang="en-US" sz="2000" dirty="0"/>
-              <a:t>Sprint 3 Discussion, Lecture, and Lab session(s) Agenda:</a:t>
+              <a:t>Sprint 3 Discussion, Lecture, and Lab Session Agenda:</a:t>
             </a:r>
           </a:p>
           <a:p>
@@ -6540,7 +6540,7 @@
 </file>
 
 <file path=ppt/slides/slide2.xml><?xml version="1.0" encoding="utf-8"?>
-<p:sld xmlns:a="http://schemas.openxmlformats.org/drawingml/2006/main" xmlns:r="http://schemas.openxmlformats.org/officeDocument/2006/relationships" xmlns:p="http://schemas.openxmlformats.org/presentationml/2006/main">
+<p:sld xmlns:a="http://schemas.openxmlformats.org/drawingml/2006/main" xmlns:r="http://schemas.openxmlformats.org/officeDocument/2006/relationships" xmlns:p="http://schemas.openxmlformats.org/presentationml/2006/main" show="0">
   <p:cSld>
     <p:bg>
       <p:bgPr>
